--- a/Document/Tutorials/Scut游戏服务器框架.pptx
+++ b/Document/Tutorials/Scut游戏服务器框架.pptx
@@ -2863,7 +2863,7 @@
   <dgm:whole/>
   <dgm:extLst>
     <a:ext uri="http://schemas.microsoft.com/office/drawing/2008/diagram">
-      <dsp:dataModelExt xmlns:dsp="http://schemas.microsoft.com/office/drawing/2008/diagram" xmlns="" relId="rId6" minVer="http://schemas.openxmlformats.org/drawingml/2006/diagram"/>
+      <dsp:dataModelExt xmlns="" xmlns:dsp="http://schemas.microsoft.com/office/drawing/2008/diagram" relId="rId6" minVer="http://schemas.openxmlformats.org/drawingml/2006/diagram"/>
     </a:ext>
   </dgm:extLst>
 </dgm:dataModel>
@@ -2892,7 +2892,11 @@
         <a:p>
           <a:r>
             <a:rPr lang="zh-CN" altLang="en-US" dirty="0" smtClean="0"/>
-            <a:t>前端：分服中心服务器</a:t>
+            <a:t>前端</a:t>
+          </a:r>
+          <a:r>
+            <a:rPr lang="zh-CN" altLang="en-US" dirty="0" smtClean="0"/>
+            <a:t>：选区服务器</a:t>
           </a:r>
           <a:endParaRPr lang="zh-CN" altLang="en-US" dirty="0"/>
         </a:p>
@@ -2929,7 +2933,7 @@
         <a:p>
           <a:r>
             <a:rPr lang="zh-CN" altLang="en-US" dirty="0" smtClean="0"/>
-            <a:t>游戏服务器</a:t>
+            <a:t>游戏逻辑服务器</a:t>
           </a:r>
           <a:endParaRPr lang="zh-CN" altLang="en-US" dirty="0"/>
         </a:p>
@@ -2958,21 +2962,21 @@
       </dgm:t>
     </dgm:pt>
     <dgm:pt modelId="{D63DC805-C3EE-4B11-8881-4001783A2E16}">
-      <dgm:prSet phldrT="[文本]"/>
+      <dgm:prSet phldrT="[文本]" custT="1"/>
       <dgm:spPr/>
       <dgm:t>
         <a:bodyPr/>
         <a:lstStyle/>
         <a:p>
           <a:r>
-            <a:rPr lang="en-US" altLang="zh-CN" dirty="0" smtClean="0"/>
+            <a:rPr lang="en-US" altLang="zh-CN" sz="1600" dirty="0" smtClean="0"/>
             <a:t>Http</a:t>
           </a:r>
           <a:r>
-            <a:rPr lang="zh-CN" altLang="en-US" dirty="0" smtClean="0"/>
+            <a:rPr lang="zh-CN" altLang="en-US" sz="1600" dirty="0" smtClean="0"/>
             <a:t>服务器</a:t>
           </a:r>
-          <a:endParaRPr lang="zh-CN" altLang="en-US" dirty="0"/>
+          <a:endParaRPr lang="zh-CN" altLang="en-US" sz="1600" dirty="0"/>
         </a:p>
       </dgm:t>
     </dgm:pt>
@@ -2999,21 +3003,21 @@
       </dgm:t>
     </dgm:pt>
     <dgm:pt modelId="{AC05360C-AE39-4E9C-A534-55588D3624F3}">
-      <dgm:prSet phldrT="[文本]"/>
+      <dgm:prSet phldrT="[文本]" custT="1"/>
       <dgm:spPr/>
       <dgm:t>
         <a:bodyPr/>
         <a:lstStyle/>
         <a:p>
           <a:r>
-            <a:rPr lang="en-US" altLang="zh-CN" dirty="0" err="1" smtClean="0"/>
+            <a:rPr lang="en-US" altLang="zh-CN" sz="1600" dirty="0" err="1" smtClean="0"/>
             <a:t>WebSocket</a:t>
           </a:r>
           <a:r>
-            <a:rPr lang="zh-CN" altLang="en-US" dirty="0" smtClean="0"/>
+            <a:rPr lang="zh-CN" altLang="en-US" sz="1600" dirty="0" smtClean="0"/>
             <a:t>服务器</a:t>
           </a:r>
-          <a:endParaRPr lang="zh-CN" altLang="en-US" dirty="0"/>
+          <a:endParaRPr lang="zh-CN" altLang="en-US" sz="1600" dirty="0"/>
         </a:p>
       </dgm:t>
     </dgm:pt>
@@ -3077,29 +3081,29 @@
       </dgm:t>
     </dgm:pt>
     <dgm:pt modelId="{6CFBF5BB-5177-46F8-9343-3C0EE3D3ED86}">
-      <dgm:prSet phldrT="[文本]"/>
+      <dgm:prSet phldrT="[文本]" custT="1"/>
       <dgm:spPr/>
       <dgm:t>
         <a:bodyPr/>
         <a:lstStyle/>
         <a:p>
           <a:r>
-            <a:rPr lang="en-US" altLang="zh-CN" dirty="0" err="1" smtClean="0"/>
+            <a:rPr lang="en-US" altLang="zh-CN" sz="1600" dirty="0" err="1" smtClean="0"/>
             <a:t>NoSql</a:t>
           </a:r>
           <a:r>
-            <a:rPr lang="en-US" altLang="zh-CN" dirty="0" smtClean="0"/>
+            <a:rPr lang="en-US" altLang="zh-CN" sz="1600" dirty="0" smtClean="0"/>
             <a:t> (</a:t>
           </a:r>
           <a:r>
-            <a:rPr lang="en-US" altLang="zh-CN" dirty="0" err="1" smtClean="0"/>
+            <a:rPr lang="en-US" altLang="zh-CN" sz="1600" dirty="0" err="1" smtClean="0"/>
             <a:t>Redis</a:t>
           </a:r>
           <a:r>
-            <a:rPr lang="en-US" altLang="zh-CN" dirty="0" smtClean="0"/>
+            <a:rPr lang="en-US" altLang="zh-CN" sz="1600" dirty="0" smtClean="0"/>
             <a:t>)</a:t>
           </a:r>
-          <a:endParaRPr lang="zh-CN" altLang="en-US" dirty="0"/>
+          <a:endParaRPr lang="zh-CN" altLang="en-US" sz="1600" dirty="0"/>
         </a:p>
       </dgm:t>
     </dgm:pt>
@@ -3126,37 +3130,37 @@
       </dgm:t>
     </dgm:pt>
     <dgm:pt modelId="{56E82AFC-74A9-4FDF-9F62-739ABF44DED7}">
-      <dgm:prSet phldrT="[文本]"/>
+      <dgm:prSet phldrT="[文本]" custT="1"/>
       <dgm:spPr/>
       <dgm:t>
         <a:bodyPr/>
         <a:lstStyle/>
         <a:p>
           <a:r>
-            <a:rPr lang="zh-CN" altLang="en-US" dirty="0" smtClean="0"/>
+            <a:rPr lang="zh-CN" altLang="en-US" sz="1600" dirty="0" smtClean="0"/>
             <a:t>关系型数据库</a:t>
           </a:r>
           <a:r>
-            <a:rPr lang="en-US" altLang="zh-CN" dirty="0" smtClean="0"/>
+            <a:rPr lang="en-US" altLang="zh-CN" sz="1600" dirty="0" smtClean="0"/>
             <a:t>(</a:t>
           </a:r>
           <a:r>
-            <a:rPr lang="en-US" altLang="zh-CN" dirty="0" err="1" smtClean="0"/>
+            <a:rPr lang="en-US" altLang="zh-CN" sz="1600" dirty="0" err="1" smtClean="0"/>
             <a:t>MSSql</a:t>
           </a:r>
           <a:r>
-            <a:rPr lang="en-US" altLang="zh-CN" dirty="0" smtClean="0"/>
+            <a:rPr lang="en-US" altLang="zh-CN" sz="1600" dirty="0" smtClean="0"/>
             <a:t>/</a:t>
           </a:r>
           <a:r>
-            <a:rPr lang="en-US" altLang="zh-CN" dirty="0" err="1" smtClean="0"/>
+            <a:rPr lang="en-US" altLang="zh-CN" sz="1600" dirty="0" err="1" smtClean="0"/>
             <a:t>MySql</a:t>
           </a:r>
           <a:r>
-            <a:rPr lang="en-US" altLang="zh-CN" dirty="0" smtClean="0"/>
+            <a:rPr lang="en-US" altLang="zh-CN" sz="1600" dirty="0" smtClean="0"/>
             <a:t>)</a:t>
           </a:r>
-          <a:endParaRPr lang="zh-CN" altLang="en-US" dirty="0"/>
+          <a:endParaRPr lang="zh-CN" altLang="en-US" sz="1600" dirty="0"/>
         </a:p>
       </dgm:t>
     </dgm:pt>
@@ -3183,21 +3187,21 @@
       </dgm:t>
     </dgm:pt>
     <dgm:pt modelId="{97E3A7A5-4449-47F3-BC75-AB69561E378D}">
-      <dgm:prSet phldrT="[文本]"/>
+      <dgm:prSet phldrT="[文本]" custT="1"/>
       <dgm:spPr/>
       <dgm:t>
         <a:bodyPr/>
         <a:lstStyle/>
         <a:p>
           <a:r>
-            <a:rPr lang="en-US" altLang="zh-CN" dirty="0" smtClean="0"/>
+            <a:rPr lang="en-US" altLang="zh-CN" sz="1800" dirty="0" smtClean="0"/>
             <a:t>Socket</a:t>
           </a:r>
           <a:r>
-            <a:rPr lang="zh-CN" altLang="en-US" dirty="0" smtClean="0"/>
+            <a:rPr lang="zh-CN" altLang="en-US" sz="1800" dirty="0" smtClean="0"/>
             <a:t>服务器</a:t>
           </a:r>
-          <a:endParaRPr lang="zh-CN" altLang="en-US" dirty="0"/>
+          <a:endParaRPr lang="zh-CN" altLang="en-US" sz="1800" dirty="0"/>
         </a:p>
       </dgm:t>
     </dgm:pt>
@@ -3224,17 +3228,17 @@
       </dgm:t>
     </dgm:pt>
     <dgm:pt modelId="{9B7FA402-6A05-4A54-B412-EBF4675B74C2}">
-      <dgm:prSet phldrT="[文本]"/>
+      <dgm:prSet phldrT="[文本]" custT="1"/>
       <dgm:spPr/>
       <dgm:t>
         <a:bodyPr/>
         <a:lstStyle/>
         <a:p>
           <a:r>
-            <a:rPr lang="zh-CN" altLang="en-US" dirty="0" smtClean="0"/>
-            <a:t>游戏和服务器配置</a:t>
+            <a:rPr lang="zh-CN" altLang="en-US" sz="1600" dirty="0" smtClean="0"/>
+            <a:t>提供游戏和区服信息和状态</a:t>
           </a:r>
-          <a:endParaRPr lang="zh-CN" altLang="en-US" dirty="0"/>
+          <a:endParaRPr lang="zh-CN" altLang="en-US" sz="1600" dirty="0"/>
         </a:p>
       </dgm:t>
     </dgm:pt>
@@ -3308,7 +3312,7 @@
       <dgm:spPr/>
     </dgm:pt>
     <dgm:pt modelId="{EAC13C04-2491-4B7A-A31C-A8F782E07BF6}" type="pres">
-      <dgm:prSet presAssocID="{6CFBF5BB-5177-46F8-9343-3C0EE3D3ED86}" presName="childTextBox" presStyleLbl="fgAccFollowNode1" presStyleIdx="0" presStyleCnt="6">
+      <dgm:prSet presAssocID="{6CFBF5BB-5177-46F8-9343-3C0EE3D3ED86}" presName="childTextBox" presStyleLbl="fgAccFollowNode1" presStyleIdx="0" presStyleCnt="6" custLinFactNeighborY="3272">
         <dgm:presLayoutVars>
           <dgm:bulletEnabled val="1"/>
         </dgm:presLayoutVars>
@@ -3514,7 +3518,7 @@
   <dgm:whole/>
   <dgm:extLst>
     <a:ext uri="http://schemas.microsoft.com/office/drawing/2008/diagram">
-      <dsp:dataModelExt xmlns:dsp="http://schemas.microsoft.com/office/drawing/2008/diagram" xmlns="" relId="rId6" minVer="http://schemas.openxmlformats.org/drawingml/2006/diagram"/>
+      <dsp:dataModelExt xmlns="" xmlns:dsp="http://schemas.microsoft.com/office/drawing/2008/diagram" relId="rId6" minVer="http://schemas.openxmlformats.org/drawingml/2006/diagram"/>
     </a:ext>
   </dgm:extLst>
 </dgm:dataModel>
@@ -3543,7 +3547,7 @@
         <a:p>
           <a:r>
             <a:rPr lang="zh-CN" altLang="en-US" dirty="0" smtClean="0"/>
-            <a:t>分服中心服务器</a:t>
+            <a:t>选区服务器</a:t>
           </a:r>
           <a:endParaRPr lang="zh-CN" altLang="en-US" dirty="0"/>
         </a:p>
@@ -3580,7 +3584,7 @@
         <a:p>
           <a:r>
             <a:rPr lang="zh-CN" altLang="en-US" dirty="0" smtClean="0"/>
-            <a:t>游戏服务器</a:t>
+            <a:t>游戏逻辑服务器</a:t>
           </a:r>
           <a:r>
             <a:rPr lang="en-US" altLang="zh-CN" dirty="0" smtClean="0"/>
@@ -3673,7 +3677,7 @@
         <a:p>
           <a:r>
             <a:rPr lang="zh-CN" altLang="en-US" dirty="0" smtClean="0"/>
-            <a:t>游戏服务器</a:t>
+            <a:t>游戏逻辑服务器</a:t>
           </a:r>
           <a:r>
             <a:rPr lang="en-US" altLang="zh-CN" dirty="0" smtClean="0"/>
@@ -3751,7 +3755,7 @@
         <a:p>
           <a:r>
             <a:rPr lang="zh-CN" altLang="en-US" dirty="0" smtClean="0"/>
-            <a:t>游戏服务器</a:t>
+            <a:t>游戏逻辑服务器</a:t>
           </a:r>
           <a:r>
             <a:rPr lang="en-US" altLang="zh-CN" dirty="0" smtClean="0"/>
@@ -4368,7 +4372,7 @@
   <dgm:whole/>
   <dgm:extLst>
     <a:ext uri="http://schemas.microsoft.com/office/drawing/2008/diagram">
-      <dsp:dataModelExt xmlns:dsp="http://schemas.microsoft.com/office/drawing/2008/diagram" xmlns="" relId="rId6" minVer="http://schemas.openxmlformats.org/drawingml/2006/diagram"/>
+      <dsp:dataModelExt xmlns="" xmlns:dsp="http://schemas.microsoft.com/office/drawing/2008/diagram" relId="rId6" minVer="http://schemas.openxmlformats.org/drawingml/2006/diagram"/>
     </a:ext>
   </dgm:extLst>
 </dgm:dataModel>
@@ -11788,7 +11792,7 @@
             <a:fld id="{530820CF-B880-4189-942D-D702A7CBA730}" type="datetimeFigureOut">
               <a:rPr lang="zh-CN" altLang="en-US" smtClean="0"/>
               <a:pPr/>
-              <a:t>2014/12/16</a:t>
+              <a:t>2015/6/9</a:t>
             </a:fld>
             <a:endParaRPr lang="zh-CN" altLang="en-US"/>
           </a:p>
@@ -11986,7 +11990,7 @@
             <a:fld id="{530820CF-B880-4189-942D-D702A7CBA730}" type="datetimeFigureOut">
               <a:rPr lang="zh-CN" altLang="en-US" smtClean="0"/>
               <a:pPr/>
-              <a:t>2014/12/16</a:t>
+              <a:t>2015/6/9</a:t>
             </a:fld>
             <a:endParaRPr lang="zh-CN" altLang="en-US"/>
           </a:p>
@@ -12173,7 +12177,7 @@
             <a:fld id="{530820CF-B880-4189-942D-D702A7CBA730}" type="datetimeFigureOut">
               <a:rPr lang="zh-CN" altLang="en-US" smtClean="0"/>
               <a:pPr/>
-              <a:t>2014/12/16</a:t>
+              <a:t>2015/6/9</a:t>
             </a:fld>
             <a:endParaRPr lang="zh-CN" altLang="en-US"/>
           </a:p>
@@ -12325,7 +12329,7 @@
             <a:fld id="{530820CF-B880-4189-942D-D702A7CBA730}" type="datetimeFigureOut">
               <a:rPr lang="zh-CN" altLang="en-US" smtClean="0"/>
               <a:pPr/>
-              <a:t>2014/12/16</a:t>
+              <a:t>2015/6/9</a:t>
             </a:fld>
             <a:endParaRPr lang="zh-CN" altLang="en-US"/>
           </a:p>
@@ -12582,7 +12586,7 @@
             <a:fld id="{530820CF-B880-4189-942D-D702A7CBA730}" type="datetimeFigureOut">
               <a:rPr lang="zh-CN" altLang="en-US" smtClean="0"/>
               <a:pPr/>
-              <a:t>2014/12/16</a:t>
+              <a:t>2015/6/9</a:t>
             </a:fld>
             <a:endParaRPr lang="zh-CN" altLang="en-US"/>
           </a:p>
@@ -12993,7 +12997,7 @@
             <a:fld id="{530820CF-B880-4189-942D-D702A7CBA730}" type="datetimeFigureOut">
               <a:rPr lang="zh-CN" altLang="en-US" smtClean="0"/>
               <a:pPr/>
-              <a:t>2014/12/16</a:t>
+              <a:t>2015/6/9</a:t>
             </a:fld>
             <a:endParaRPr lang="zh-CN" altLang="en-US"/>
           </a:p>
@@ -13441,7 +13445,7 @@
             <a:fld id="{530820CF-B880-4189-942D-D702A7CBA730}" type="datetimeFigureOut">
               <a:rPr lang="zh-CN" altLang="en-US" smtClean="0"/>
               <a:pPr/>
-              <a:t>2014/12/16</a:t>
+              <a:t>2015/6/9</a:t>
             </a:fld>
             <a:endParaRPr lang="zh-CN" altLang="en-US"/>
           </a:p>
@@ -13544,7 +13548,7 @@
             <a:fld id="{530820CF-B880-4189-942D-D702A7CBA730}" type="datetimeFigureOut">
               <a:rPr lang="zh-CN" altLang="en-US" smtClean="0"/>
               <a:pPr/>
-              <a:t>2014/12/16</a:t>
+              <a:t>2015/6/9</a:t>
             </a:fld>
             <a:endParaRPr lang="zh-CN" altLang="en-US"/>
           </a:p>
@@ -13667,7 +13671,7 @@
             <a:fld id="{530820CF-B880-4189-942D-D702A7CBA730}" type="datetimeFigureOut">
               <a:rPr lang="zh-CN" altLang="en-US" smtClean="0"/>
               <a:pPr/>
-              <a:t>2014/12/16</a:t>
+              <a:t>2015/6/9</a:t>
             </a:fld>
             <a:endParaRPr lang="zh-CN" altLang="en-US"/>
           </a:p>
@@ -13943,7 +13947,7 @@
             <a:fld id="{530820CF-B880-4189-942D-D702A7CBA730}" type="datetimeFigureOut">
               <a:rPr lang="zh-CN" altLang="en-US" smtClean="0"/>
               <a:pPr/>
-              <a:t>2014/12/16</a:t>
+              <a:t>2015/6/9</a:t>
             </a:fld>
             <a:endParaRPr lang="zh-CN" altLang="en-US"/>
           </a:p>
@@ -14150,7 +14154,7 @@
             <a:fld id="{530820CF-B880-4189-942D-D702A7CBA730}" type="datetimeFigureOut">
               <a:rPr lang="zh-CN" altLang="en-US" smtClean="0"/>
               <a:pPr/>
-              <a:t>2014/12/16</a:t>
+              <a:t>2015/6/9</a:t>
             </a:fld>
             <a:endParaRPr lang="zh-CN" altLang="en-US"/>
           </a:p>
@@ -15261,7 +15265,7 @@
             <a:fld id="{530820CF-B880-4189-942D-D702A7CBA730}" type="datetimeFigureOut">
               <a:rPr lang="zh-CN" altLang="en-US" smtClean="0"/>
               <a:pPr/>
-              <a:t>2014/12/16</a:t>
+              <a:t>2015/6/9</a:t>
             </a:fld>
             <a:endParaRPr lang="zh-CN" altLang="en-US"/>
           </a:p>
@@ -16811,7 +16815,23 @@
           <a:p>
             <a:r>
               <a:rPr lang="zh-CN" altLang="en-US" sz="3200" dirty="0" smtClean="0"/>
-              <a:t>具有自主知识产权的游戏服务器引擎</a:t>
+              <a:t>具有自主知识产权</a:t>
+            </a:r>
+            <a:r>
+              <a:rPr lang="zh-CN" altLang="en-US" sz="3200" dirty="0" smtClean="0"/>
+              <a:t>的</a:t>
+            </a:r>
+            <a:r>
+              <a:rPr lang="zh-CN" altLang="en-US" sz="3200" dirty="0" smtClean="0"/>
+              <a:t>开源</a:t>
+            </a:r>
+            <a:r>
+              <a:rPr lang="zh-CN" altLang="en-US" sz="3200" dirty="0" smtClean="0"/>
+              <a:t>游戏</a:t>
+            </a:r>
+            <a:r>
+              <a:rPr lang="zh-CN" altLang="en-US" sz="3200" dirty="0" smtClean="0"/>
+              <a:t>服务器引擎</a:t>
             </a:r>
             <a:endParaRPr lang="en-US" altLang="zh-CN" sz="3200" dirty="0" smtClean="0"/>
           </a:p>
@@ -16891,6 +16911,10 @@
             <a:r>
               <a:rPr lang="en-US" altLang="zh-CN" sz="2800" dirty="0" smtClean="0"/>
               <a:t>Windows/Linux</a:t>
+            </a:r>
+            <a:r>
+              <a:rPr lang="en-US" altLang="zh-CN" sz="2800" dirty="0" smtClean="0"/>
+              <a:t>/Mac</a:t>
             </a:r>
             <a:r>
               <a:rPr lang="zh-CN" altLang="en-US" sz="2800" dirty="0" smtClean="0"/>
